--- a/_Picture/高性能服务器框架.pptx
+++ b/_Picture/高性能服务器框架.pptx
@@ -104,6 +104,11 @@
       </a:defRPr>
     </a:lvl9pPr>
   </p:defaultTextStyle>
+  <p:extLst>
+    <p:ext uri="{EFAFB233-063F-42B5-8137-9DF3F51BA10A}">
+      <p15:sldGuideLst xmlns:p15="http://schemas.microsoft.com/office/powerpoint/2012/main"/>
+    </p:ext>
+  </p:extLst>
 </p:presentation>
 </file>
 
@@ -6609,8 +6614,8 @@
         </p:nvSpPr>
         <p:spPr>
           <a:xfrm>
-            <a:off x="3643993" y="4681159"/>
-            <a:ext cx="2358209" cy="787707"/>
+            <a:off x="3643993" y="4631623"/>
+            <a:ext cx="2428452" cy="837244"/>
           </a:xfrm>
           <a:prstGeom prst="leftArrowCallout">
             <a:avLst>
@@ -6701,7 +6706,7 @@
         <p:spPr>
           <a:xfrm>
             <a:off x="9226535" y="2504977"/>
-            <a:ext cx="2358209" cy="787707"/>
+            <a:ext cx="2429649" cy="787707"/>
           </a:xfrm>
           <a:prstGeom prst="leftArrowCallout">
             <a:avLst>
